--- a/welcome.pptx
+++ b/welcome.pptx
@@ -5,12 +5,16 @@
     <p:sldMasterId id="2147483991" r:id="rId1"/>
   </p:sldMasterIdLst>
   <p:notesMasterIdLst>
-    <p:notesMasterId r:id="rId5"/>
+    <p:notesMasterId r:id="rId9"/>
   </p:notesMasterIdLst>
   <p:sldIdLst>
     <p:sldId id="256" r:id="rId2"/>
     <p:sldId id="257" r:id="rId3"/>
     <p:sldId id="258" r:id="rId4"/>
+    <p:sldId id="259" r:id="rId5"/>
+    <p:sldId id="260" r:id="rId6"/>
+    <p:sldId id="261" r:id="rId7"/>
+    <p:sldId id="262" r:id="rId8"/>
   </p:sldIdLst>
   <p:sldSz cx="12192000" cy="6858000"/>
   <p:notesSz cx="6858000" cy="9144000"/>
@@ -199,7 +203,7 @@
           <a:p>
             <a:fld id="{1BD2E7D2-48F0-5E49-B3AE-0D068E9B4A86}" type="datetimeFigureOut">
               <a:rPr lang="en-US" smtClean="0"/>
-              <a:t>9/4/19</a:t>
+              <a:t>9/5/19</a:t>
             </a:fld>
             <a:endParaRPr lang="en-US"/>
           </a:p>
@@ -511,12 +515,31 @@
           <a:lstStyle/>
           <a:p>
             <a:r>
-              <a:rPr lang="en-US" dirty="0"/>
-              <a:t>[These are lecture notes from a graduate course, which were prepared with feedback from co-teachers Stephen Mann and Craig Kaplan and colleagues Peter Shirley and Ward Lopes]</a:t>
-            </a:r>
-          </a:p>
-          <a:p>
-            <a:endParaRPr lang="en-US" dirty="0"/>
+              <a:rPr lang="en-US" sz="1200" b="0" i="1" kern="1200" dirty="0">
+                <a:solidFill>
+                  <a:schemeClr val="tx1"/>
+                </a:solidFill>
+                <a:effectLst/>
+                <a:latin typeface="+mn-lt"/>
+                <a:ea typeface="+mn-ea"/>
+                <a:cs typeface="+mn-cs"/>
+              </a:rPr>
+              <a:t>The image is denoising Monte Carlo path tracing using the method of </a:t>
+            </a:r>
+            <a:r>
+              <a:rPr lang="en-US" sz="1200" b="0" i="1" u="none" strike="noStrike" kern="1200" dirty="0">
+                <a:solidFill>
+                  <a:schemeClr val="tx1"/>
+                </a:solidFill>
+                <a:effectLst/>
+                <a:latin typeface="+mn-lt"/>
+                <a:ea typeface="+mn-ea"/>
+                <a:cs typeface="+mn-cs"/>
+                <a:hlinkClick r:id="rId3"/>
+              </a:rPr>
+              <a:t>Vogels et al. 2018</a:t>
+            </a:r>
+            <a:endParaRPr lang="en-US" b="1" dirty="0"/>
           </a:p>
         </p:txBody>
       </p:sp>
@@ -600,6 +623,156 @@
           <a:bodyPr/>
           <a:lstStyle/>
           <a:p>
+            <a:pPr marL="0" marR="0" lvl="0" indent="0" algn="l" defTabSz="914400" rtl="0" eaLnBrk="1" fontAlgn="auto" latinLnBrk="0" hangingPunct="1">
+              <a:lnSpc>
+                <a:spcPct val="100000"/>
+              </a:lnSpc>
+              <a:spcBef>
+                <a:spcPts val="0"/>
+              </a:spcBef>
+              <a:spcAft>
+                <a:spcPts val="0"/>
+              </a:spcAft>
+              <a:buClrTx/>
+              <a:buSzTx/>
+              <a:buFontTx/>
+              <a:buNone/>
+              <a:tabLst/>
+              <a:defRPr/>
+            </a:pPr>
+            <a:r>
+              <a:rPr lang="en-US" dirty="0"/>
+              <a:t>This is a graduate seminar. The specific content adapts to your interests and the success of the course depends on your active participation in presentations and discussions.</a:t>
+            </a:r>
+          </a:p>
+          <a:p>
+            <a:pPr marL="0" marR="0" lvl="0" indent="0" algn="l" defTabSz="914400" rtl="0" eaLnBrk="1" fontAlgn="auto" latinLnBrk="0" hangingPunct="1">
+              <a:lnSpc>
+                <a:spcPct val="100000"/>
+              </a:lnSpc>
+              <a:spcBef>
+                <a:spcPts val="0"/>
+              </a:spcBef>
+              <a:spcAft>
+                <a:spcPts val="0"/>
+              </a:spcAft>
+              <a:buClrTx/>
+              <a:buSzTx/>
+              <a:buFontTx/>
+              <a:buNone/>
+              <a:tabLst/>
+              <a:defRPr/>
+            </a:pPr>
+            <a:endParaRPr lang="en-US" dirty="0"/>
+          </a:p>
+          <a:p>
+            <a:pPr marL="0" marR="0" lvl="0" indent="0" algn="l" defTabSz="914400" rtl="0" eaLnBrk="1" fontAlgn="auto" latinLnBrk="0" hangingPunct="1">
+              <a:lnSpc>
+                <a:spcPct val="100000"/>
+              </a:lnSpc>
+              <a:spcBef>
+                <a:spcPts val="0"/>
+              </a:spcBef>
+              <a:spcAft>
+                <a:spcPts val="0"/>
+              </a:spcAft>
+              <a:buClrTx/>
+              <a:buSzTx/>
+              <a:buFontTx/>
+              <a:buNone/>
+              <a:tabLst/>
+              <a:defRPr/>
+            </a:pPr>
+            <a:r>
+              <a:rPr lang="en-US" dirty="0"/>
+              <a:t>Questions about course structure?</a:t>
+            </a:r>
+          </a:p>
+          <a:p>
+            <a:endParaRPr lang="en-US" dirty="0"/>
+          </a:p>
+        </p:txBody>
+      </p:sp>
+      <p:sp>
+        <p:nvSpPr>
+          <p:cNvPr id="4" name="Slide Number Placeholder 3"/>
+          <p:cNvSpPr>
+            <a:spLocks noGrp="1"/>
+          </p:cNvSpPr>
+          <p:nvPr>
+            <p:ph type="sldNum" sz="quarter" idx="5"/>
+          </p:nvPr>
+        </p:nvSpPr>
+        <p:spPr/>
+        <p:txBody>
+          <a:bodyPr/>
+          <a:lstStyle/>
+          <a:p>
+            <a:fld id="{7797B659-1B34-9448-85E7-F99E9012A957}" type="slidenum">
+              <a:rPr lang="en-US" smtClean="0"/>
+              <a:t>2</a:t>
+            </a:fld>
+            <a:endParaRPr lang="en-US"/>
+          </a:p>
+        </p:txBody>
+      </p:sp>
+    </p:spTree>
+    <p:extLst>
+      <p:ext uri="{BB962C8B-B14F-4D97-AF65-F5344CB8AC3E}">
+        <p14:creationId xmlns:p14="http://schemas.microsoft.com/office/powerpoint/2010/main" val="745105753"/>
+      </p:ext>
+    </p:extLst>
+  </p:cSld>
+  <p:clrMapOvr>
+    <a:masterClrMapping/>
+  </p:clrMapOvr>
+</p:notes>
+</file>
+
+<file path=ppt/notesSlides/notesSlide3.xml><?xml version="1.0" encoding="utf-8"?>
+<p:notes xmlns:a="http://schemas.openxmlformats.org/drawingml/2006/main" xmlns:r="http://schemas.openxmlformats.org/officeDocument/2006/relationships" xmlns:p="http://schemas.openxmlformats.org/presentationml/2006/main">
+  <p:cSld>
+    <p:spTree>
+      <p:nvGrpSpPr>
+        <p:cNvPr id="1" name=""/>
+        <p:cNvGrpSpPr/>
+        <p:nvPr/>
+      </p:nvGrpSpPr>
+      <p:grpSpPr>
+        <a:xfrm>
+          <a:off x="0" y="0"/>
+          <a:ext cx="0" cy="0"/>
+          <a:chOff x="0" y="0"/>
+          <a:chExt cx="0" cy="0"/>
+        </a:xfrm>
+      </p:grpSpPr>
+      <p:sp>
+        <p:nvSpPr>
+          <p:cNvPr id="2" name="Slide Image Placeholder 1"/>
+          <p:cNvSpPr>
+            <a:spLocks noGrp="1" noRot="1" noChangeAspect="1"/>
+          </p:cNvSpPr>
+          <p:nvPr>
+            <p:ph type="sldImg"/>
+          </p:nvPr>
+        </p:nvSpPr>
+        <p:spPr/>
+      </p:sp>
+      <p:sp>
+        <p:nvSpPr>
+          <p:cNvPr id="3" name="Notes Placeholder 2"/>
+          <p:cNvSpPr>
+            <a:spLocks noGrp="1"/>
+          </p:cNvSpPr>
+          <p:nvPr>
+            <p:ph type="body" idx="1"/>
+          </p:nvPr>
+        </p:nvSpPr>
+        <p:spPr/>
+        <p:txBody>
+          <a:bodyPr/>
+          <a:lstStyle/>
+          <a:p>
             <a:r>
               <a:rPr lang="en-US" dirty="0"/>
               <a:t>The 1-paragraph summaries and lecture notes are mostly to help you to think about the material before you discuss or present it. They are also an objective record of your participation.</a:t>
@@ -630,6 +803,35 @@
               <a:rPr lang="en-US" dirty="0"/>
               <a:t> slides speaker notes or as an outline…look at my PPT slides online for this course.</a:t>
             </a:r>
+          </a:p>
+          <a:p>
+            <a:endParaRPr lang="en-US" dirty="0"/>
+          </a:p>
+          <a:p>
+            <a:pPr marL="0" marR="0" lvl="0" indent="0" algn="l" defTabSz="914400" rtl="0" eaLnBrk="1" fontAlgn="auto" latinLnBrk="0" hangingPunct="1">
+              <a:lnSpc>
+                <a:spcPct val="100000"/>
+              </a:lnSpc>
+              <a:spcBef>
+                <a:spcPts val="0"/>
+              </a:spcBef>
+              <a:spcAft>
+                <a:spcPts val="0"/>
+              </a:spcAft>
+              <a:buClrTx/>
+              <a:buSzTx/>
+              <a:buFontTx/>
+              <a:buNone/>
+              <a:tabLst/>
+              <a:defRPr/>
+            </a:pPr>
+            <a:r>
+              <a:rPr lang="en-US" dirty="0"/>
+              <a:t>Questions?</a:t>
+            </a:r>
+          </a:p>
+          <a:p>
+            <a:endParaRPr lang="en-US" dirty="0"/>
           </a:p>
         </p:txBody>
       </p:sp>
@@ -660,6 +862,426 @@
     <p:extLst>
       <p:ext uri="{BB962C8B-B14F-4D97-AF65-F5344CB8AC3E}">
         <p14:creationId xmlns:p14="http://schemas.microsoft.com/office/powerpoint/2010/main" val="2871774280"/>
+      </p:ext>
+    </p:extLst>
+  </p:cSld>
+  <p:clrMapOvr>
+    <a:masterClrMapping/>
+  </p:clrMapOvr>
+</p:notes>
+</file>
+
+<file path=ppt/notesSlides/notesSlide4.xml><?xml version="1.0" encoding="utf-8"?>
+<p:notes xmlns:a="http://schemas.openxmlformats.org/drawingml/2006/main" xmlns:r="http://schemas.openxmlformats.org/officeDocument/2006/relationships" xmlns:p="http://schemas.openxmlformats.org/presentationml/2006/main">
+  <p:cSld>
+    <p:spTree>
+      <p:nvGrpSpPr>
+        <p:cNvPr id="1" name=""/>
+        <p:cNvGrpSpPr/>
+        <p:nvPr/>
+      </p:nvGrpSpPr>
+      <p:grpSpPr>
+        <a:xfrm>
+          <a:off x="0" y="0"/>
+          <a:ext cx="0" cy="0"/>
+          <a:chOff x="0" y="0"/>
+          <a:chExt cx="0" cy="0"/>
+        </a:xfrm>
+      </p:grpSpPr>
+      <p:sp>
+        <p:nvSpPr>
+          <p:cNvPr id="2" name="Slide Image Placeholder 1"/>
+          <p:cNvSpPr>
+            <a:spLocks noGrp="1" noRot="1" noChangeAspect="1"/>
+          </p:cNvSpPr>
+          <p:nvPr>
+            <p:ph type="sldImg"/>
+          </p:nvPr>
+        </p:nvSpPr>
+        <p:spPr/>
+      </p:sp>
+      <p:sp>
+        <p:nvSpPr>
+          <p:cNvPr id="3" name="Notes Placeholder 2"/>
+          <p:cNvSpPr>
+            <a:spLocks noGrp="1"/>
+          </p:cNvSpPr>
+          <p:nvPr>
+            <p:ph type="body" idx="1"/>
+          </p:nvPr>
+        </p:nvSpPr>
+        <p:spPr/>
+        <p:txBody>
+          <a:bodyPr/>
+          <a:lstStyle/>
+          <a:p>
+            <a:r>
+              <a:rPr lang="en-US" dirty="0"/>
+              <a:t>There are two goals for this individual assignment:</a:t>
+            </a:r>
+          </a:p>
+          <a:p>
+            <a:endParaRPr lang="en-US" dirty="0"/>
+          </a:p>
+          <a:p>
+            <a:pPr marL="171450" indent="-171450">
+              <a:buFontTx/>
+              <a:buChar char="-"/>
+            </a:pPr>
+            <a:r>
+              <a:rPr lang="en-US" dirty="0"/>
+              <a:t>Review the background material for the course and make it concrete through implementation</a:t>
+            </a:r>
+          </a:p>
+          <a:p>
+            <a:pPr marL="171450" indent="-171450">
+              <a:buFontTx/>
+              <a:buChar char="-"/>
+            </a:pPr>
+            <a:r>
+              <a:rPr lang="en-US" dirty="0"/>
+              <a:t>Ensure that you have a platform from which you can later write a final project</a:t>
+            </a:r>
+          </a:p>
+          <a:p>
+            <a:endParaRPr lang="en-US" dirty="0"/>
+          </a:p>
+          <a:p>
+            <a:r>
+              <a:rPr lang="en-US" dirty="0"/>
+              <a:t>This is intended to be a relatively straightforward and fun exercise. It should will take between two and 15 hours total, including coding, debugging, and writing up the report. (Although, if you write a very slow tracer and want a high resolution image for your report, the </a:t>
+            </a:r>
+            <a:r>
+              <a:rPr lang="en-US" i="1" dirty="0"/>
+              <a:t>final</a:t>
+            </a:r>
+            <a:r>
+              <a:rPr lang="en-US" dirty="0"/>
+              <a:t> render might need to run unattended for a while). The report does not have to be very polished. Give a guide to your implementation, discuss any known bugs and limitations, and describe aspects of the images that demonstrate correctness (or those bugs). Cite resources that you used in the program or referred to.</a:t>
+            </a:r>
+          </a:p>
+          <a:p>
+            <a:endParaRPr lang="en-US" dirty="0"/>
+          </a:p>
+          <a:p>
+            <a:r>
+              <a:rPr lang="en-US" dirty="0"/>
+              <a:t>The time variation will depend on how fresh your previous graphics experience is, how familiar the tools you choose are, and how fast your tools are. Note that you should debug by rendering simple models at low resolution with low path counts, so that it only takes a minute to produce an image.</a:t>
+            </a:r>
+          </a:p>
+          <a:p>
+            <a:endParaRPr lang="en-US" dirty="0"/>
+          </a:p>
+          <a:p>
+            <a:r>
+              <a:rPr lang="en-US" dirty="0"/>
+              <a:t>I recommend using a high level framework such as G3D, </a:t>
+            </a:r>
+            <a:r>
+              <a:rPr lang="en-US" dirty="0" err="1"/>
+              <a:t>Falcor</a:t>
+            </a:r>
+            <a:r>
+              <a:rPr lang="en-US" dirty="0"/>
+              <a:t>, PBRT, or Mitsuba to do the heavy lifting on infrastructure, or at least libraries such as </a:t>
+            </a:r>
+            <a:r>
+              <a:rPr lang="en-US" dirty="0" err="1"/>
+              <a:t>stb_image</a:t>
+            </a:r>
+            <a:r>
+              <a:rPr lang="en-US" dirty="0"/>
+              <a:t>, </a:t>
+            </a:r>
+            <a:r>
+              <a:rPr lang="en-US" dirty="0" err="1"/>
+              <a:t>FreeImage</a:t>
+            </a:r>
+            <a:r>
+              <a:rPr lang="en-US" dirty="0"/>
+              <a:t>, </a:t>
+            </a:r>
+            <a:r>
+              <a:rPr lang="en-US" dirty="0" err="1"/>
+              <a:t>Embree</a:t>
+            </a:r>
+            <a:r>
+              <a:rPr lang="en-US" dirty="0"/>
+              <a:t>, or </a:t>
+            </a:r>
+            <a:r>
+              <a:rPr lang="en-US" dirty="0" err="1"/>
+              <a:t>OptiX</a:t>
+            </a:r>
+            <a:r>
+              <a:rPr lang="en-US" dirty="0"/>
+              <a:t>. Just make sure that you’re writing the core path tracing logic yourself. I recommend not using </a:t>
+            </a:r>
+            <a:r>
+              <a:rPr lang="en-US" dirty="0" err="1"/>
+              <a:t>ShaderToy</a:t>
+            </a:r>
+            <a:r>
+              <a:rPr lang="en-US" dirty="0"/>
+              <a:t> for this project because that isn’t a good environment in which to load assets and debug for your final project. If you are very familiar with a game engine such as Unity or Unreal, you may use it, but I generally find that those are not ideally suited for path tracing projects.</a:t>
+            </a:r>
+          </a:p>
+          <a:p>
+            <a:endParaRPr lang="en-US" dirty="0"/>
+          </a:p>
+          <a:p>
+            <a:r>
+              <a:rPr lang="en-US" dirty="0"/>
+              <a:t>My single-file 60-line C++ path tracer that appears in the Graphics Codex would be a reasonable solution for this assignment. Obviously you can’t copy or port directly from my solution or another one, but you are welcome to study them in depth before writing your own. </a:t>
+            </a:r>
+          </a:p>
+          <a:p>
+            <a:endParaRPr lang="en-US" dirty="0"/>
+          </a:p>
+          <a:p>
+            <a:r>
+              <a:rPr lang="en-US" dirty="0"/>
+              <a:t>If it looks like this will take you more than 15 hours, or you think that by the end of the warmup you’d still be unable to sit down with an empty file and sketch out path tracer code without looking at someone else’s code, then please discuss with us whether this is the right course for you this term.</a:t>
+            </a:r>
+          </a:p>
+          <a:p>
+            <a:endParaRPr lang="en-US" dirty="0"/>
+          </a:p>
+          <a:p>
+            <a:r>
+              <a:rPr lang="en-US" dirty="0"/>
+              <a:t>For the code, please do not submit your executable, libraries, </a:t>
+            </a:r>
+            <a:r>
+              <a:rPr lang="en-US" dirty="0" err="1"/>
+              <a:t>Makefile</a:t>
+            </a:r>
+            <a:r>
+              <a:rPr lang="en-US" dirty="0"/>
+              <a:t>, project file, or assets. Just submit the source file or files.</a:t>
+            </a:r>
+          </a:p>
+          <a:p>
+            <a:endParaRPr lang="en-US" dirty="0"/>
+          </a:p>
+          <a:p>
+            <a:r>
+              <a:rPr lang="en-US" dirty="0"/>
+              <a:t>Questions?</a:t>
+            </a:r>
+          </a:p>
+          <a:p>
+            <a:endParaRPr lang="en-US" dirty="0"/>
+          </a:p>
+        </p:txBody>
+      </p:sp>
+      <p:sp>
+        <p:nvSpPr>
+          <p:cNvPr id="4" name="Slide Number Placeholder 3"/>
+          <p:cNvSpPr>
+            <a:spLocks noGrp="1"/>
+          </p:cNvSpPr>
+          <p:nvPr>
+            <p:ph type="sldNum" sz="quarter" idx="5"/>
+          </p:nvPr>
+        </p:nvSpPr>
+        <p:spPr/>
+        <p:txBody>
+          <a:bodyPr/>
+          <a:lstStyle/>
+          <a:p>
+            <a:fld id="{7797B659-1B34-9448-85E7-F99E9012A957}" type="slidenum">
+              <a:rPr lang="en-US" smtClean="0"/>
+              <a:t>4</a:t>
+            </a:fld>
+            <a:endParaRPr lang="en-US"/>
+          </a:p>
+        </p:txBody>
+      </p:sp>
+    </p:spTree>
+    <p:extLst>
+      <p:ext uri="{BB962C8B-B14F-4D97-AF65-F5344CB8AC3E}">
+        <p14:creationId xmlns:p14="http://schemas.microsoft.com/office/powerpoint/2010/main" val="1429087956"/>
+      </p:ext>
+    </p:extLst>
+  </p:cSld>
+  <p:clrMapOvr>
+    <a:masterClrMapping/>
+  </p:clrMapOvr>
+</p:notes>
+</file>
+
+<file path=ppt/notesSlides/notesSlide5.xml><?xml version="1.0" encoding="utf-8"?>
+<p:notes xmlns:a="http://schemas.openxmlformats.org/drawingml/2006/main" xmlns:r="http://schemas.openxmlformats.org/officeDocument/2006/relationships" xmlns:p="http://schemas.openxmlformats.org/presentationml/2006/main">
+  <p:cSld>
+    <p:spTree>
+      <p:nvGrpSpPr>
+        <p:cNvPr id="1" name=""/>
+        <p:cNvGrpSpPr/>
+        <p:nvPr/>
+      </p:nvGrpSpPr>
+      <p:grpSpPr>
+        <a:xfrm>
+          <a:off x="0" y="0"/>
+          <a:ext cx="0" cy="0"/>
+          <a:chOff x="0" y="0"/>
+          <a:chExt cx="0" cy="0"/>
+        </a:xfrm>
+      </p:grpSpPr>
+      <p:sp>
+        <p:nvSpPr>
+          <p:cNvPr id="2" name="Slide Image Placeholder 1"/>
+          <p:cNvSpPr>
+            <a:spLocks noGrp="1" noRot="1" noChangeAspect="1"/>
+          </p:cNvSpPr>
+          <p:nvPr>
+            <p:ph type="sldImg"/>
+          </p:nvPr>
+        </p:nvSpPr>
+        <p:spPr/>
+      </p:sp>
+      <p:sp>
+        <p:nvSpPr>
+          <p:cNvPr id="3" name="Notes Placeholder 2"/>
+          <p:cNvSpPr>
+            <a:spLocks noGrp="1"/>
+          </p:cNvSpPr>
+          <p:nvPr>
+            <p:ph type="body" idx="1"/>
+          </p:nvPr>
+        </p:nvSpPr>
+        <p:spPr/>
+        <p:txBody>
+          <a:bodyPr/>
+          <a:lstStyle/>
+          <a:p>
+            <a:r>
+              <a:rPr lang="en-US" dirty="0"/>
+              <a:t>You can start any time and should solicit feedback on your choice and progress in class or by email. I expect that most of you will only work on this during the final weeks of the course. The reading topics are distributed so that the ones you are likely to want to implement appear before that.</a:t>
+            </a:r>
+          </a:p>
+          <a:p>
+            <a:endParaRPr lang="en-US" dirty="0"/>
+          </a:p>
+          <a:p>
+            <a:r>
+              <a:rPr lang="en-US" dirty="0"/>
+              <a:t>Questions?</a:t>
+            </a:r>
+          </a:p>
+        </p:txBody>
+      </p:sp>
+      <p:sp>
+        <p:nvSpPr>
+          <p:cNvPr id="4" name="Slide Number Placeholder 3"/>
+          <p:cNvSpPr>
+            <a:spLocks noGrp="1"/>
+          </p:cNvSpPr>
+          <p:nvPr>
+            <p:ph type="sldNum" sz="quarter" idx="5"/>
+          </p:nvPr>
+        </p:nvSpPr>
+        <p:spPr/>
+        <p:txBody>
+          <a:bodyPr/>
+          <a:lstStyle/>
+          <a:p>
+            <a:fld id="{7797B659-1B34-9448-85E7-F99E9012A957}" type="slidenum">
+              <a:rPr lang="en-US" smtClean="0"/>
+              <a:t>5</a:t>
+            </a:fld>
+            <a:endParaRPr lang="en-US"/>
+          </a:p>
+        </p:txBody>
+      </p:sp>
+    </p:spTree>
+    <p:extLst>
+      <p:ext uri="{BB962C8B-B14F-4D97-AF65-F5344CB8AC3E}">
+        <p14:creationId xmlns:p14="http://schemas.microsoft.com/office/powerpoint/2010/main" val="4275444909"/>
+      </p:ext>
+    </p:extLst>
+  </p:cSld>
+  <p:clrMapOvr>
+    <a:masterClrMapping/>
+  </p:clrMapOvr>
+</p:notes>
+</file>
+
+<file path=ppt/notesSlides/notesSlide6.xml><?xml version="1.0" encoding="utf-8"?>
+<p:notes xmlns:a="http://schemas.openxmlformats.org/drawingml/2006/main" xmlns:r="http://schemas.openxmlformats.org/officeDocument/2006/relationships" xmlns:p="http://schemas.openxmlformats.org/presentationml/2006/main">
+  <p:cSld>
+    <p:spTree>
+      <p:nvGrpSpPr>
+        <p:cNvPr id="1" name=""/>
+        <p:cNvGrpSpPr/>
+        <p:nvPr/>
+      </p:nvGrpSpPr>
+      <p:grpSpPr>
+        <a:xfrm>
+          <a:off x="0" y="0"/>
+          <a:ext cx="0" cy="0"/>
+          <a:chOff x="0" y="0"/>
+          <a:chExt cx="0" cy="0"/>
+        </a:xfrm>
+      </p:grpSpPr>
+      <p:sp>
+        <p:nvSpPr>
+          <p:cNvPr id="2" name="Slide Image Placeholder 1"/>
+          <p:cNvSpPr>
+            <a:spLocks noGrp="1" noRot="1" noChangeAspect="1"/>
+          </p:cNvSpPr>
+          <p:nvPr>
+            <p:ph type="sldImg"/>
+          </p:nvPr>
+        </p:nvSpPr>
+        <p:spPr/>
+      </p:sp>
+      <p:sp>
+        <p:nvSpPr>
+          <p:cNvPr id="3" name="Notes Placeholder 2"/>
+          <p:cNvSpPr>
+            <a:spLocks noGrp="1"/>
+          </p:cNvSpPr>
+          <p:nvPr>
+            <p:ph type="body" idx="1"/>
+          </p:nvPr>
+        </p:nvSpPr>
+        <p:spPr/>
+        <p:txBody>
+          <a:bodyPr/>
+          <a:lstStyle/>
+          <a:p>
+            <a:endParaRPr lang="en-US" dirty="0"/>
+          </a:p>
+        </p:txBody>
+      </p:sp>
+      <p:sp>
+        <p:nvSpPr>
+          <p:cNvPr id="4" name="Slide Number Placeholder 3"/>
+          <p:cNvSpPr>
+            <a:spLocks noGrp="1"/>
+          </p:cNvSpPr>
+          <p:nvPr>
+            <p:ph type="sldNum" sz="quarter" idx="5"/>
+          </p:nvPr>
+        </p:nvSpPr>
+        <p:spPr/>
+        <p:txBody>
+          <a:bodyPr/>
+          <a:lstStyle/>
+          <a:p>
+            <a:fld id="{7797B659-1B34-9448-85E7-F99E9012A957}" type="slidenum">
+              <a:rPr lang="en-US" smtClean="0"/>
+              <a:t>6</a:t>
+            </a:fld>
+            <a:endParaRPr lang="en-US"/>
+          </a:p>
+        </p:txBody>
+      </p:sp>
+    </p:spTree>
+    <p:extLst>
+      <p:ext uri="{BB962C8B-B14F-4D97-AF65-F5344CB8AC3E}">
+        <p14:creationId xmlns:p14="http://schemas.microsoft.com/office/powerpoint/2010/main" val="2705473599"/>
       </p:ext>
     </p:extLst>
   </p:cSld>
@@ -1395,7 +2017,7 @@
           <a:p>
             <a:fld id="{1FA64B6B-FF9F-A442-AB1D-BFE7B19D1221}" type="datetimeFigureOut">
               <a:rPr lang="en-US" smtClean="0"/>
-              <a:t>9/4/19</a:t>
+              <a:t>9/5/19</a:t>
             </a:fld>
             <a:endParaRPr lang="en-US"/>
           </a:p>
@@ -1646,7 +2268,7 @@
           <a:p>
             <a:fld id="{1FA64B6B-FF9F-A442-AB1D-BFE7B19D1221}" type="datetimeFigureOut">
               <a:rPr lang="en-US" smtClean="0"/>
-              <a:t>9/4/19</a:t>
+              <a:t>9/5/19</a:t>
             </a:fld>
             <a:endParaRPr lang="en-US"/>
           </a:p>
@@ -1960,7 +2582,7 @@
           <a:p>
             <a:fld id="{1FA64B6B-FF9F-A442-AB1D-BFE7B19D1221}" type="datetimeFigureOut">
               <a:rPr lang="en-US" smtClean="0"/>
-              <a:t>9/4/19</a:t>
+              <a:t>9/5/19</a:t>
             </a:fld>
             <a:endParaRPr lang="en-US"/>
           </a:p>
@@ -2287,7 +2909,7 @@
           <a:p>
             <a:fld id="{1FA64B6B-FF9F-A442-AB1D-BFE7B19D1221}" type="datetimeFigureOut">
               <a:rPr lang="en-US" smtClean="0"/>
-              <a:t>9/4/19</a:t>
+              <a:t>9/5/19</a:t>
             </a:fld>
             <a:endParaRPr lang="en-US"/>
           </a:p>
@@ -2601,7 +3223,7 @@
           <a:p>
             <a:fld id="{1FA64B6B-FF9F-A442-AB1D-BFE7B19D1221}" type="datetimeFigureOut">
               <a:rPr lang="en-US" smtClean="0"/>
-              <a:t>9/4/19</a:t>
+              <a:t>9/5/19</a:t>
             </a:fld>
             <a:endParaRPr lang="en-US"/>
           </a:p>
@@ -2988,7 +3610,7 @@
           <a:p>
             <a:fld id="{1FA64B6B-FF9F-A442-AB1D-BFE7B19D1221}" type="datetimeFigureOut">
               <a:rPr lang="en-US" smtClean="0"/>
-              <a:t>9/4/19</a:t>
+              <a:t>9/5/19</a:t>
             </a:fld>
             <a:endParaRPr lang="en-US"/>
           </a:p>
@@ -3158,7 +3780,7 @@
           <a:p>
             <a:fld id="{1FA64B6B-FF9F-A442-AB1D-BFE7B19D1221}" type="datetimeFigureOut">
               <a:rPr lang="en-US" smtClean="0"/>
-              <a:t>9/4/19</a:t>
+              <a:t>9/5/19</a:t>
             </a:fld>
             <a:endParaRPr lang="en-US"/>
           </a:p>
@@ -3338,7 +3960,7 @@
           <a:p>
             <a:fld id="{1FA64B6B-FF9F-A442-AB1D-BFE7B19D1221}" type="datetimeFigureOut">
               <a:rPr lang="en-US" smtClean="0"/>
-              <a:t>9/4/19</a:t>
+              <a:t>9/5/19</a:t>
             </a:fld>
             <a:endParaRPr lang="en-US"/>
           </a:p>
@@ -3536,7 +4158,7 @@
           <a:p>
             <a:fld id="{1FA64B6B-FF9F-A442-AB1D-BFE7B19D1221}" type="datetimeFigureOut">
               <a:rPr lang="en-US" smtClean="0"/>
-              <a:t>9/4/19</a:t>
+              <a:t>9/5/19</a:t>
             </a:fld>
             <a:endParaRPr lang="en-US"/>
           </a:p>
@@ -3783,7 +4405,7 @@
           <a:p>
             <a:fld id="{1FA64B6B-FF9F-A442-AB1D-BFE7B19D1221}" type="datetimeFigureOut">
               <a:rPr lang="en-US" smtClean="0"/>
-              <a:t>9/4/19</a:t>
+              <a:t>9/5/19</a:t>
             </a:fld>
             <a:endParaRPr lang="en-US"/>
           </a:p>
@@ -4015,7 +4637,7 @@
           <a:p>
             <a:fld id="{1FA64B6B-FF9F-A442-AB1D-BFE7B19D1221}" type="datetimeFigureOut">
               <a:rPr lang="en-US" smtClean="0"/>
-              <a:t>9/4/19</a:t>
+              <a:t>9/5/19</a:t>
             </a:fld>
             <a:endParaRPr lang="en-US"/>
           </a:p>
@@ -4394,7 +5016,7 @@
           <a:p>
             <a:fld id="{1FA64B6B-FF9F-A442-AB1D-BFE7B19D1221}" type="datetimeFigureOut">
               <a:rPr lang="en-US" smtClean="0"/>
-              <a:t>9/4/19</a:t>
+              <a:t>9/5/19</a:t>
             </a:fld>
             <a:endParaRPr lang="en-US"/>
           </a:p>
@@ -4522,7 +5144,7 @@
           <a:p>
             <a:fld id="{1FA64B6B-FF9F-A442-AB1D-BFE7B19D1221}" type="datetimeFigureOut">
               <a:rPr lang="en-US" smtClean="0"/>
-              <a:t>9/4/19</a:t>
+              <a:t>9/5/19</a:t>
             </a:fld>
             <a:endParaRPr lang="en-US"/>
           </a:p>
@@ -4617,7 +5239,7 @@
           <a:p>
             <a:fld id="{1FA64B6B-FF9F-A442-AB1D-BFE7B19D1221}" type="datetimeFigureOut">
               <a:rPr lang="en-US" smtClean="0"/>
-              <a:t>9/4/19</a:t>
+              <a:t>9/5/19</a:t>
             </a:fld>
             <a:endParaRPr lang="en-US"/>
           </a:p>
@@ -4872,7 +5494,7 @@
           <a:p>
             <a:fld id="{1FA64B6B-FF9F-A442-AB1D-BFE7B19D1221}" type="datetimeFigureOut">
               <a:rPr lang="en-US" smtClean="0"/>
-              <a:t>9/4/19</a:t>
+              <a:t>9/5/19</a:t>
             </a:fld>
             <a:endParaRPr lang="en-US"/>
           </a:p>
@@ -5140,7 +5762,7 @@
           <a:p>
             <a:fld id="{1FA64B6B-FF9F-A442-AB1D-BFE7B19D1221}" type="datetimeFigureOut">
               <a:rPr lang="en-US" smtClean="0"/>
-              <a:t>9/4/19</a:t>
+              <a:t>9/5/19</a:t>
             </a:fld>
             <a:endParaRPr lang="en-US"/>
           </a:p>
@@ -5817,7 +6439,7 @@
           <a:p>
             <a:fld id="{1FA64B6B-FF9F-A442-AB1D-BFE7B19D1221}" type="datetimeFigureOut">
               <a:rPr lang="en-US" smtClean="0"/>
-              <a:t>9/4/19</a:t>
+              <a:t>9/5/19</a:t>
             </a:fld>
             <a:endParaRPr lang="en-US"/>
           </a:p>
@@ -6487,7 +7109,13 @@
           <p:nvPr/>
         </p:nvPicPr>
         <p:blipFill>
-          <a:blip r:embed="rId3"/>
+          <a:blip r:embed="rId3" cstate="screen">
+            <a:extLst>
+              <a:ext uri="{28A0092B-C50C-407E-A947-70E740481C1C}">
+                <a14:useLocalDpi xmlns:a14="http://schemas.microsoft.com/office/drawing/2010/main"/>
+              </a:ext>
+            </a:extLst>
+          </a:blip>
           <a:stretch>
             <a:fillRect/>
           </a:stretch>
@@ -6589,7 +7217,7 @@
           <a:p>
             <a:r>
               <a:rPr lang="en-US" dirty="0">
-                <a:hlinkClick r:id="rId2"/>
+                <a:hlinkClick r:id="rId3"/>
               </a:rPr>
               <a:t>https://morgan3d.github.io/advanced-ray-tracing-course/index.html</a:t>
             </a:r>
@@ -6817,6 +7445,783 @@
     <p:extLst>
       <p:ext uri="{BB962C8B-B14F-4D97-AF65-F5344CB8AC3E}">
         <p14:creationId xmlns:p14="http://schemas.microsoft.com/office/powerpoint/2010/main" val="2987733792"/>
+      </p:ext>
+    </p:extLst>
+  </p:cSld>
+  <p:clrMapOvr>
+    <a:masterClrMapping/>
+  </p:clrMapOvr>
+</p:sld>
+</file>
+
+<file path=ppt/slides/slide4.xml><?xml version="1.0" encoding="utf-8"?>
+<p:sld xmlns:a="http://schemas.openxmlformats.org/drawingml/2006/main" xmlns:r="http://schemas.openxmlformats.org/officeDocument/2006/relationships" xmlns:p="http://schemas.openxmlformats.org/presentationml/2006/main">
+  <p:cSld>
+    <p:spTree>
+      <p:nvGrpSpPr>
+        <p:cNvPr id="1" name=""/>
+        <p:cNvGrpSpPr/>
+        <p:nvPr/>
+      </p:nvGrpSpPr>
+      <p:grpSpPr>
+        <a:xfrm>
+          <a:off x="0" y="0"/>
+          <a:ext cx="0" cy="0"/>
+          <a:chOff x="0" y="0"/>
+          <a:chExt cx="0" cy="0"/>
+        </a:xfrm>
+      </p:grpSpPr>
+      <p:sp>
+        <p:nvSpPr>
+          <p:cNvPr id="2" name="Title 1">
+            <a:extLst>
+              <a:ext uri="{FF2B5EF4-FFF2-40B4-BE49-F238E27FC236}">
+                <a16:creationId xmlns:a16="http://schemas.microsoft.com/office/drawing/2014/main" id="{95F31A97-44DB-D74B-8C0E-4B8E4A64B8EA}"/>
+              </a:ext>
+            </a:extLst>
+          </p:cNvPr>
+          <p:cNvSpPr>
+            <a:spLocks noGrp="1"/>
+          </p:cNvSpPr>
+          <p:nvPr>
+            <p:ph type="title"/>
+          </p:nvPr>
+        </p:nvSpPr>
+        <p:spPr/>
+        <p:txBody>
+          <a:bodyPr/>
+          <a:lstStyle/>
+          <a:p>
+            <a:r>
+              <a:rPr lang="en-US" dirty="0"/>
+              <a:t>Warmup Project</a:t>
+            </a:r>
+          </a:p>
+        </p:txBody>
+      </p:sp>
+      <p:sp>
+        <p:nvSpPr>
+          <p:cNvPr id="3" name="Content Placeholder 2">
+            <a:extLst>
+              <a:ext uri="{FF2B5EF4-FFF2-40B4-BE49-F238E27FC236}">
+                <a16:creationId xmlns:a16="http://schemas.microsoft.com/office/drawing/2014/main" id="{8B450C01-7EB6-4F43-A5C9-B5047B486100}"/>
+              </a:ext>
+            </a:extLst>
+          </p:cNvPr>
+          <p:cNvSpPr>
+            <a:spLocks noGrp="1"/>
+          </p:cNvSpPr>
+          <p:nvPr>
+            <p:ph idx="1"/>
+          </p:nvPr>
+        </p:nvSpPr>
+        <p:spPr>
+          <a:xfrm>
+            <a:off x="677333" y="1414901"/>
+            <a:ext cx="8977030" cy="5294243"/>
+          </a:xfrm>
+        </p:spPr>
+        <p:txBody>
+          <a:bodyPr>
+            <a:normAutofit fontScale="92500"/>
+          </a:bodyPr>
+          <a:lstStyle/>
+          <a:p>
+            <a:r>
+              <a:rPr lang="en-US" b="1" dirty="0"/>
+              <a:t>Implement a pure path tracer</a:t>
+            </a:r>
+          </a:p>
+          <a:p>
+            <a:pPr lvl="1"/>
+            <a:r>
+              <a:rPr lang="en-US" dirty="0"/>
+              <a:t>Triangles + spatial data structure, 3D model loading from a standard file format, Lambertian reflection, glossy reflection, refractive transmission, cosine importance sampling, and area sources are required</a:t>
+            </a:r>
+          </a:p>
+          <a:p>
+            <a:pPr lvl="1"/>
+            <a:r>
+              <a:rPr lang="en-US" dirty="0"/>
+              <a:t>Direct illumination, point sources, denoising, QMC, MIS, advanced importance sampling, and performance </a:t>
+            </a:r>
+            <a:r>
+              <a:rPr lang="en-US" i="1" dirty="0"/>
+              <a:t>not</a:t>
+            </a:r>
+            <a:r>
+              <a:rPr lang="en-US" dirty="0"/>
+              <a:t> required</a:t>
+            </a:r>
+          </a:p>
+          <a:p>
+            <a:r>
+              <a:rPr lang="en-US" b="1" dirty="0"/>
+              <a:t>Two-page report + code</a:t>
+            </a:r>
+          </a:p>
+          <a:p>
+            <a:pPr lvl="1"/>
+            <a:r>
+              <a:rPr lang="en-US" dirty="0"/>
+              <a:t>Images showing Lambertian, glossy, and refractive scattering</a:t>
+            </a:r>
+          </a:p>
+          <a:p>
+            <a:r>
+              <a:rPr lang="en-US" dirty="0"/>
+              <a:t>Due Sept. 20, 2019 before class in LEARN</a:t>
+            </a:r>
+          </a:p>
+          <a:p>
+            <a:r>
+              <a:rPr lang="en-US" dirty="0"/>
+              <a:t>You may use libraries for:</a:t>
+            </a:r>
+          </a:p>
+          <a:p>
+            <a:pPr lvl="1"/>
+            <a:r>
+              <a:rPr lang="en-US" dirty="0"/>
+              <a:t>Material (BSDF)</a:t>
+            </a:r>
+          </a:p>
+          <a:p>
+            <a:pPr lvl="1"/>
+            <a:r>
+              <a:rPr lang="en-US" dirty="0"/>
+              <a:t>Intersection (e.g., BVH &amp; ray-triangle)</a:t>
+            </a:r>
+          </a:p>
+          <a:p>
+            <a:pPr lvl="1"/>
+            <a:r>
+              <a:rPr lang="en-US" dirty="0"/>
+              <a:t>Asset loading &amp; image saving</a:t>
+            </a:r>
+          </a:p>
+          <a:p>
+            <a:pPr lvl="1"/>
+            <a:endParaRPr lang="en-US" dirty="0"/>
+          </a:p>
+        </p:txBody>
+      </p:sp>
+      <p:pic>
+        <p:nvPicPr>
+          <p:cNvPr id="7" name="Picture 6">
+            <a:extLst>
+              <a:ext uri="{FF2B5EF4-FFF2-40B4-BE49-F238E27FC236}">
+                <a16:creationId xmlns:a16="http://schemas.microsoft.com/office/drawing/2014/main" id="{91CD0AFD-874F-A943-B34B-07F3AF5045F5}"/>
+              </a:ext>
+            </a:extLst>
+          </p:cNvPr>
+          <p:cNvPicPr>
+            <a:picLocks noChangeAspect="1"/>
+          </p:cNvPicPr>
+          <p:nvPr/>
+        </p:nvPicPr>
+        <p:blipFill>
+          <a:blip r:embed="rId3" cstate="screen">
+            <a:extLst>
+              <a:ext uri="{28A0092B-C50C-407E-A947-70E740481C1C}">
+                <a14:useLocalDpi xmlns:a14="http://schemas.microsoft.com/office/drawing/2010/main"/>
+              </a:ext>
+            </a:extLst>
+          </a:blip>
+          <a:stretch>
+            <a:fillRect/>
+          </a:stretch>
+        </p:blipFill>
+        <p:spPr>
+          <a:xfrm>
+            <a:off x="8841562" y="3263409"/>
+            <a:ext cx="3071371" cy="3071371"/>
+          </a:xfrm>
+          <a:prstGeom prst="rect">
+            <a:avLst/>
+          </a:prstGeom>
+        </p:spPr>
+      </p:pic>
+      <p:sp>
+        <p:nvSpPr>
+          <p:cNvPr id="8" name="Rectangle 7">
+            <a:extLst>
+              <a:ext uri="{FF2B5EF4-FFF2-40B4-BE49-F238E27FC236}">
+                <a16:creationId xmlns:a16="http://schemas.microsoft.com/office/drawing/2014/main" id="{8866FA58-AE9E-D448-BE14-0621B2C63F86}"/>
+              </a:ext>
+            </a:extLst>
+          </p:cNvPr>
+          <p:cNvSpPr/>
+          <p:nvPr/>
+        </p:nvSpPr>
+        <p:spPr>
+          <a:xfrm>
+            <a:off x="7428614" y="6373106"/>
+            <a:ext cx="4451497" cy="523220"/>
+          </a:xfrm>
+          <a:prstGeom prst="rect">
+            <a:avLst/>
+          </a:prstGeom>
+        </p:spPr>
+        <p:txBody>
+          <a:bodyPr wrap="square">
+            <a:spAutoFit/>
+          </a:bodyPr>
+          <a:lstStyle/>
+          <a:p>
+            <a:pPr algn="r"/>
+            <a:r>
+              <a:rPr lang="en-US" sz="1600" dirty="0"/>
+              <a:t>Image by Wayne Young</a:t>
+            </a:r>
+          </a:p>
+          <a:p>
+            <a:pPr algn="r"/>
+            <a:r>
+              <a:rPr lang="en-US" sz="1100" dirty="0"/>
+              <a:t>https://www.flickr.com/photos/30974264@N02/44441603622</a:t>
+            </a:r>
+          </a:p>
+        </p:txBody>
+      </p:sp>
+    </p:spTree>
+    <p:extLst>
+      <p:ext uri="{BB962C8B-B14F-4D97-AF65-F5344CB8AC3E}">
+        <p14:creationId xmlns:p14="http://schemas.microsoft.com/office/powerpoint/2010/main" val="2669468746"/>
+      </p:ext>
+    </p:extLst>
+  </p:cSld>
+  <p:clrMapOvr>
+    <a:masterClrMapping/>
+  </p:clrMapOvr>
+</p:sld>
+</file>
+
+<file path=ppt/slides/slide5.xml><?xml version="1.0" encoding="utf-8"?>
+<p:sld xmlns:a="http://schemas.openxmlformats.org/drawingml/2006/main" xmlns:r="http://schemas.openxmlformats.org/officeDocument/2006/relationships" xmlns:p="http://schemas.openxmlformats.org/presentationml/2006/main">
+  <p:cSld>
+    <p:spTree>
+      <p:nvGrpSpPr>
+        <p:cNvPr id="1" name=""/>
+        <p:cNvGrpSpPr/>
+        <p:nvPr/>
+      </p:nvGrpSpPr>
+      <p:grpSpPr>
+        <a:xfrm>
+          <a:off x="0" y="0"/>
+          <a:ext cx="0" cy="0"/>
+          <a:chOff x="0" y="0"/>
+          <a:chExt cx="0" cy="0"/>
+        </a:xfrm>
+      </p:grpSpPr>
+      <p:sp>
+        <p:nvSpPr>
+          <p:cNvPr id="2" name="Title 1">
+            <a:extLst>
+              <a:ext uri="{FF2B5EF4-FFF2-40B4-BE49-F238E27FC236}">
+                <a16:creationId xmlns:a16="http://schemas.microsoft.com/office/drawing/2014/main" id="{48EA6CEE-B208-E341-81A2-5E4B11964479}"/>
+              </a:ext>
+            </a:extLst>
+          </p:cNvPr>
+          <p:cNvSpPr>
+            <a:spLocks noGrp="1"/>
+          </p:cNvSpPr>
+          <p:nvPr>
+            <p:ph type="title"/>
+          </p:nvPr>
+        </p:nvSpPr>
+        <p:spPr/>
+        <p:txBody>
+          <a:bodyPr/>
+          <a:lstStyle/>
+          <a:p>
+            <a:r>
+              <a:rPr lang="en-US" dirty="0"/>
+              <a:t>Final Project</a:t>
+            </a:r>
+          </a:p>
+        </p:txBody>
+      </p:sp>
+      <p:sp>
+        <p:nvSpPr>
+          <p:cNvPr id="3" name="Content Placeholder 2">
+            <a:extLst>
+              <a:ext uri="{FF2B5EF4-FFF2-40B4-BE49-F238E27FC236}">
+                <a16:creationId xmlns:a16="http://schemas.microsoft.com/office/drawing/2014/main" id="{4E62B539-C11A-B440-BD0F-69E0A9B70921}"/>
+              </a:ext>
+            </a:extLst>
+          </p:cNvPr>
+          <p:cNvSpPr>
+            <a:spLocks noGrp="1"/>
+          </p:cNvSpPr>
+          <p:nvPr>
+            <p:ph idx="1"/>
+          </p:nvPr>
+        </p:nvSpPr>
+        <p:spPr>
+          <a:xfrm>
+            <a:off x="677333" y="1563757"/>
+            <a:ext cx="10040285" cy="4477605"/>
+          </a:xfrm>
+        </p:spPr>
+        <p:txBody>
+          <a:bodyPr/>
+          <a:lstStyle/>
+          <a:p>
+            <a:r>
+              <a:rPr lang="en-US" dirty="0"/>
+              <a:t>Implement a previously-published rendering algorithm</a:t>
+            </a:r>
+          </a:p>
+          <a:p>
+            <a:pPr lvl="1"/>
+            <a:r>
+              <a:rPr lang="en-US" dirty="0"/>
+              <a:t>E.g., photon mapping, MLT, decoupled shading, denoising, participating media, gradient-domain rendering</a:t>
+            </a:r>
+          </a:p>
+          <a:p>
+            <a:r>
+              <a:rPr lang="en-US" dirty="0"/>
+              <a:t>Three-page report with analysis of results due Nov. 29 in LEARN</a:t>
+            </a:r>
+          </a:p>
+          <a:p>
+            <a:r>
+              <a:rPr lang="en-US" dirty="0"/>
+              <a:t>5-10 minute presentation in class on Nov. 29</a:t>
+            </a:r>
+          </a:p>
+          <a:p>
+            <a:r>
+              <a:rPr lang="en-US" dirty="0"/>
+              <a:t>Any language, framework, and libraries permitted</a:t>
+            </a:r>
+          </a:p>
+        </p:txBody>
+      </p:sp>
+      <p:sp>
+        <p:nvSpPr>
+          <p:cNvPr id="4" name="TextBox 3">
+            <a:extLst>
+              <a:ext uri="{FF2B5EF4-FFF2-40B4-BE49-F238E27FC236}">
+                <a16:creationId xmlns:a16="http://schemas.microsoft.com/office/drawing/2014/main" id="{C6E3DD1A-4793-CC46-BCA2-C9ED1C32AE61}"/>
+              </a:ext>
+            </a:extLst>
+          </p:cNvPr>
+          <p:cNvSpPr txBox="1"/>
+          <p:nvPr/>
+        </p:nvSpPr>
+        <p:spPr>
+          <a:xfrm>
+            <a:off x="829340" y="6488668"/>
+            <a:ext cx="2184765" cy="369332"/>
+          </a:xfrm>
+          <a:prstGeom prst="rect">
+            <a:avLst/>
+          </a:prstGeom>
+          <a:noFill/>
+        </p:spPr>
+        <p:txBody>
+          <a:bodyPr wrap="none" rtlCol="0">
+            <a:spAutoFit/>
+          </a:bodyPr>
+          <a:lstStyle/>
+          <a:p>
+            <a:r>
+              <a:rPr lang="en-US" dirty="0" err="1"/>
+              <a:t>Veach</a:t>
+            </a:r>
+            <a:r>
+              <a:rPr lang="en-US" dirty="0"/>
+              <a:t> &amp; </a:t>
+            </a:r>
+            <a:r>
+              <a:rPr lang="en-US" dirty="0" err="1"/>
+              <a:t>Guibas</a:t>
+            </a:r>
+            <a:r>
+              <a:rPr lang="en-US" dirty="0"/>
+              <a:t> ‘97</a:t>
+            </a:r>
+          </a:p>
+        </p:txBody>
+      </p:sp>
+      <p:pic>
+        <p:nvPicPr>
+          <p:cNvPr id="6" name="Picture 5">
+            <a:extLst>
+              <a:ext uri="{FF2B5EF4-FFF2-40B4-BE49-F238E27FC236}">
+                <a16:creationId xmlns:a16="http://schemas.microsoft.com/office/drawing/2014/main" id="{04E82883-E817-CA4C-8A3B-F6CFC9E52A15}"/>
+              </a:ext>
+            </a:extLst>
+          </p:cNvPr>
+          <p:cNvPicPr>
+            <a:picLocks noChangeAspect="1"/>
+          </p:cNvPicPr>
+          <p:nvPr/>
+        </p:nvPicPr>
+        <p:blipFill>
+          <a:blip r:embed="rId3" cstate="screen">
+            <a:extLst>
+              <a:ext uri="{28A0092B-C50C-407E-A947-70E740481C1C}">
+                <a14:useLocalDpi xmlns:a14="http://schemas.microsoft.com/office/drawing/2010/main"/>
+              </a:ext>
+            </a:extLst>
+          </a:blip>
+          <a:stretch>
+            <a:fillRect/>
+          </a:stretch>
+        </p:blipFill>
+        <p:spPr>
+          <a:xfrm>
+            <a:off x="756853" y="4494639"/>
+            <a:ext cx="3538700" cy="1994030"/>
+          </a:xfrm>
+          <a:prstGeom prst="rect">
+            <a:avLst/>
+          </a:prstGeom>
+        </p:spPr>
+      </p:pic>
+      <p:pic>
+        <p:nvPicPr>
+          <p:cNvPr id="8" name="Picture 7">
+            <a:extLst>
+              <a:ext uri="{FF2B5EF4-FFF2-40B4-BE49-F238E27FC236}">
+                <a16:creationId xmlns:a16="http://schemas.microsoft.com/office/drawing/2014/main" id="{1F9FD9EC-E499-9042-BD5C-DA3FE08FF1D3}"/>
+              </a:ext>
+            </a:extLst>
+          </p:cNvPr>
+          <p:cNvPicPr>
+            <a:picLocks noChangeAspect="1"/>
+          </p:cNvPicPr>
+          <p:nvPr/>
+        </p:nvPicPr>
+        <p:blipFill rotWithShape="1">
+          <a:blip r:embed="rId4" cstate="screen">
+            <a:extLst>
+              <a:ext uri="{28A0092B-C50C-407E-A947-70E740481C1C}">
+                <a14:useLocalDpi xmlns:a14="http://schemas.microsoft.com/office/drawing/2010/main"/>
+              </a:ext>
+            </a:extLst>
+          </a:blip>
+          <a:srcRect/>
+          <a:stretch/>
+        </p:blipFill>
+        <p:spPr>
+          <a:xfrm>
+            <a:off x="4404243" y="4494638"/>
+            <a:ext cx="3662326" cy="1994029"/>
+          </a:xfrm>
+          <a:prstGeom prst="rect">
+            <a:avLst/>
+          </a:prstGeom>
+        </p:spPr>
+      </p:pic>
+      <p:sp>
+        <p:nvSpPr>
+          <p:cNvPr id="9" name="TextBox 8">
+            <a:extLst>
+              <a:ext uri="{FF2B5EF4-FFF2-40B4-BE49-F238E27FC236}">
+                <a16:creationId xmlns:a16="http://schemas.microsoft.com/office/drawing/2014/main" id="{0C71635E-44F9-AF44-B9E1-9529E3AB6A44}"/>
+              </a:ext>
+            </a:extLst>
+          </p:cNvPr>
+          <p:cNvSpPr txBox="1"/>
+          <p:nvPr/>
+        </p:nvSpPr>
+        <p:spPr>
+          <a:xfrm>
+            <a:off x="4404243" y="6488667"/>
+            <a:ext cx="1292341" cy="369332"/>
+          </a:xfrm>
+          <a:prstGeom prst="rect">
+            <a:avLst/>
+          </a:prstGeom>
+          <a:noFill/>
+        </p:spPr>
+        <p:txBody>
+          <a:bodyPr wrap="none" rtlCol="0">
+            <a:spAutoFit/>
+          </a:bodyPr>
+          <a:lstStyle/>
+          <a:p>
+            <a:r>
+              <a:rPr lang="en-US" dirty="0"/>
+              <a:t>Jensen ‘96</a:t>
+            </a:r>
+          </a:p>
+        </p:txBody>
+      </p:sp>
+      <p:sp>
+        <p:nvSpPr>
+          <p:cNvPr id="10" name="TextBox 9">
+            <a:extLst>
+              <a:ext uri="{FF2B5EF4-FFF2-40B4-BE49-F238E27FC236}">
+                <a16:creationId xmlns:a16="http://schemas.microsoft.com/office/drawing/2014/main" id="{461FD754-BB98-ED41-9497-836DAEFD4DAE}"/>
+              </a:ext>
+            </a:extLst>
+          </p:cNvPr>
+          <p:cNvSpPr txBox="1"/>
+          <p:nvPr/>
+        </p:nvSpPr>
+        <p:spPr>
+          <a:xfrm>
+            <a:off x="8211519" y="6488668"/>
+            <a:ext cx="1426994" cy="369332"/>
+          </a:xfrm>
+          <a:prstGeom prst="rect">
+            <a:avLst/>
+          </a:prstGeom>
+          <a:noFill/>
+        </p:spPr>
+        <p:txBody>
+          <a:bodyPr wrap="none" rtlCol="0">
+            <a:spAutoFit/>
+          </a:bodyPr>
+          <a:lstStyle/>
+          <a:p>
+            <a:r>
+              <a:rPr lang="en-US" dirty="0" err="1"/>
+              <a:t>Kallweit</a:t>
+            </a:r>
+            <a:r>
+              <a:rPr lang="en-US" dirty="0"/>
+              <a:t> ‘17</a:t>
+            </a:r>
+          </a:p>
+        </p:txBody>
+      </p:sp>
+      <p:pic>
+        <p:nvPicPr>
+          <p:cNvPr id="12" name="Picture 11">
+            <a:extLst>
+              <a:ext uri="{FF2B5EF4-FFF2-40B4-BE49-F238E27FC236}">
+                <a16:creationId xmlns:a16="http://schemas.microsoft.com/office/drawing/2014/main" id="{22D28BB7-BFB1-2442-B75F-D55893BC3D48}"/>
+              </a:ext>
+            </a:extLst>
+          </p:cNvPr>
+          <p:cNvPicPr>
+            <a:picLocks noChangeAspect="1"/>
+          </p:cNvPicPr>
+          <p:nvPr/>
+        </p:nvPicPr>
+        <p:blipFill>
+          <a:blip r:embed="rId5" cstate="screen">
+            <a:extLst>
+              <a:ext uri="{28A0092B-C50C-407E-A947-70E740481C1C}">
+                <a14:useLocalDpi xmlns:a14="http://schemas.microsoft.com/office/drawing/2010/main"/>
+              </a:ext>
+            </a:extLst>
+          </a:blip>
+          <a:stretch>
+            <a:fillRect/>
+          </a:stretch>
+        </p:blipFill>
+        <p:spPr>
+          <a:xfrm>
+            <a:off x="8251361" y="4494638"/>
+            <a:ext cx="3542118" cy="1994029"/>
+          </a:xfrm>
+          <a:prstGeom prst="rect">
+            <a:avLst/>
+          </a:prstGeom>
+        </p:spPr>
+      </p:pic>
+    </p:spTree>
+    <p:extLst>
+      <p:ext uri="{BB962C8B-B14F-4D97-AF65-F5344CB8AC3E}">
+        <p14:creationId xmlns:p14="http://schemas.microsoft.com/office/powerpoint/2010/main" val="778235503"/>
+      </p:ext>
+    </p:extLst>
+  </p:cSld>
+  <p:clrMapOvr>
+    <a:masterClrMapping/>
+  </p:clrMapOvr>
+</p:sld>
+</file>
+
+<file path=ppt/slides/slide6.xml><?xml version="1.0" encoding="utf-8"?>
+<p:sld xmlns:a="http://schemas.openxmlformats.org/drawingml/2006/main" xmlns:r="http://schemas.openxmlformats.org/officeDocument/2006/relationships" xmlns:p="http://schemas.openxmlformats.org/presentationml/2006/main">
+  <p:cSld>
+    <p:spTree>
+      <p:nvGrpSpPr>
+        <p:cNvPr id="1" name=""/>
+        <p:cNvGrpSpPr/>
+        <p:nvPr/>
+      </p:nvGrpSpPr>
+      <p:grpSpPr>
+        <a:xfrm>
+          <a:off x="0" y="0"/>
+          <a:ext cx="0" cy="0"/>
+          <a:chOff x="0" y="0"/>
+          <a:chExt cx="0" cy="0"/>
+        </a:xfrm>
+      </p:grpSpPr>
+      <p:sp>
+        <p:nvSpPr>
+          <p:cNvPr id="2" name="Title 1">
+            <a:extLst>
+              <a:ext uri="{FF2B5EF4-FFF2-40B4-BE49-F238E27FC236}">
+                <a16:creationId xmlns:a16="http://schemas.microsoft.com/office/drawing/2014/main" id="{2D59C133-14D0-D647-AE13-E53679CEB2D9}"/>
+              </a:ext>
+            </a:extLst>
+          </p:cNvPr>
+          <p:cNvSpPr>
+            <a:spLocks noGrp="1"/>
+          </p:cNvSpPr>
+          <p:nvPr>
+            <p:ph type="title"/>
+          </p:nvPr>
+        </p:nvSpPr>
+        <p:spPr/>
+        <p:txBody>
+          <a:bodyPr/>
+          <a:lstStyle/>
+          <a:p>
+            <a:r>
+              <a:rPr lang="en-US" dirty="0"/>
+              <a:t>Student Introductions</a:t>
+            </a:r>
+          </a:p>
+        </p:txBody>
+      </p:sp>
+      <p:sp>
+        <p:nvSpPr>
+          <p:cNvPr id="3" name="Content Placeholder 2">
+            <a:extLst>
+              <a:ext uri="{FF2B5EF4-FFF2-40B4-BE49-F238E27FC236}">
+                <a16:creationId xmlns:a16="http://schemas.microsoft.com/office/drawing/2014/main" id="{309AB96C-AFA0-8D49-889F-14E148A370B2}"/>
+              </a:ext>
+            </a:extLst>
+          </p:cNvPr>
+          <p:cNvSpPr>
+            <a:spLocks noGrp="1"/>
+          </p:cNvSpPr>
+          <p:nvPr>
+            <p:ph idx="1"/>
+          </p:nvPr>
+        </p:nvSpPr>
+        <p:spPr/>
+        <p:txBody>
+          <a:bodyPr/>
+          <a:lstStyle/>
+          <a:p>
+            <a:r>
+              <a:rPr lang="en-US" dirty="0"/>
+              <a:t>Name</a:t>
+            </a:r>
+          </a:p>
+          <a:p>
+            <a:r>
+              <a:rPr lang="en-US" dirty="0"/>
+              <a:t>Technical interests (e.g., “databases”, “security”, “string theory”, “video games”)</a:t>
+            </a:r>
+          </a:p>
+          <a:p>
+            <a:r>
+              <a:rPr lang="en-US" dirty="0"/>
+              <a:t>Motivation for taking this course</a:t>
+            </a:r>
+          </a:p>
+          <a:p>
+            <a:endParaRPr lang="en-US" dirty="0"/>
+          </a:p>
+        </p:txBody>
+      </p:sp>
+    </p:spTree>
+    <p:extLst>
+      <p:ext uri="{BB962C8B-B14F-4D97-AF65-F5344CB8AC3E}">
+        <p14:creationId xmlns:p14="http://schemas.microsoft.com/office/powerpoint/2010/main" val="197307490"/>
+      </p:ext>
+    </p:extLst>
+  </p:cSld>
+  <p:clrMapOvr>
+    <a:masterClrMapping/>
+  </p:clrMapOvr>
+</p:sld>
+</file>
+
+<file path=ppt/slides/slide7.xml><?xml version="1.0" encoding="utf-8"?>
+<p:sld xmlns:a="http://schemas.openxmlformats.org/drawingml/2006/main" xmlns:r="http://schemas.openxmlformats.org/officeDocument/2006/relationships" xmlns:p="http://schemas.openxmlformats.org/presentationml/2006/main">
+  <p:cSld>
+    <p:spTree>
+      <p:nvGrpSpPr>
+        <p:cNvPr id="1" name=""/>
+        <p:cNvGrpSpPr/>
+        <p:nvPr/>
+      </p:nvGrpSpPr>
+      <p:grpSpPr>
+        <a:xfrm>
+          <a:off x="0" y="0"/>
+          <a:ext cx="0" cy="0"/>
+          <a:chOff x="0" y="0"/>
+          <a:chExt cx="0" cy="0"/>
+        </a:xfrm>
+      </p:grpSpPr>
+      <p:sp>
+        <p:nvSpPr>
+          <p:cNvPr id="2" name="Title 1">
+            <a:extLst>
+              <a:ext uri="{FF2B5EF4-FFF2-40B4-BE49-F238E27FC236}">
+                <a16:creationId xmlns:a16="http://schemas.microsoft.com/office/drawing/2014/main" id="{698893BC-5B09-F646-8F8C-714E53075E07}"/>
+              </a:ext>
+            </a:extLst>
+          </p:cNvPr>
+          <p:cNvSpPr>
+            <a:spLocks noGrp="1"/>
+          </p:cNvSpPr>
+          <p:nvPr>
+            <p:ph type="title"/>
+          </p:nvPr>
+        </p:nvSpPr>
+        <p:spPr>
+          <a:xfrm>
+            <a:off x="677335" y="2700867"/>
+            <a:ext cx="10026524" cy="1826581"/>
+          </a:xfrm>
+        </p:spPr>
+        <p:txBody>
+          <a:bodyPr/>
+          <a:lstStyle/>
+          <a:p>
+            <a:pPr algn="ctr"/>
+            <a:r>
+              <a:rPr lang="en-US" dirty="0"/>
+              <a:t>Questions</a:t>
+            </a:r>
+          </a:p>
+        </p:txBody>
+      </p:sp>
+      <p:sp>
+        <p:nvSpPr>
+          <p:cNvPr id="3" name="Text Placeholder 2">
+            <a:extLst>
+              <a:ext uri="{FF2B5EF4-FFF2-40B4-BE49-F238E27FC236}">
+                <a16:creationId xmlns:a16="http://schemas.microsoft.com/office/drawing/2014/main" id="{70B8EC4C-C0AD-5E42-9787-DEE71EB3E177}"/>
+              </a:ext>
+            </a:extLst>
+          </p:cNvPr>
+          <p:cNvSpPr>
+            <a:spLocks noGrp="1"/>
+          </p:cNvSpPr>
+          <p:nvPr>
+            <p:ph type="body" idx="1"/>
+          </p:nvPr>
+        </p:nvSpPr>
+        <p:spPr/>
+        <p:txBody>
+          <a:bodyPr/>
+          <a:lstStyle/>
+          <a:p>
+            <a:endParaRPr lang="en-US"/>
+          </a:p>
+        </p:txBody>
+      </p:sp>
+    </p:spTree>
+    <p:extLst>
+      <p:ext uri="{BB962C8B-B14F-4D97-AF65-F5344CB8AC3E}">
+        <p14:creationId xmlns:p14="http://schemas.microsoft.com/office/powerpoint/2010/main" val="1212809308"/>
       </p:ext>
     </p:extLst>
   </p:cSld>

--- a/welcome.pptx
+++ b/welcome.pptx
@@ -7348,13 +7348,8 @@
             </a:pPr>
             <a:r>
               <a:rPr lang="en-US" dirty="0"/>
-              <a:t>Participation</a:t>
-            </a:r>
-            <a:r>
-              <a:rPr lang="en-US"/>
-              <a:t>: 25%</a:t>
-            </a:r>
-            <a:endParaRPr lang="en-US" dirty="0"/>
+              <a:t>Participation: 25%</a:t>
+            </a:r>
           </a:p>
           <a:p>
             <a:pPr lvl="1"/>
@@ -7441,6 +7436,77 @@
           </a:p>
         </p:txBody>
       </p:sp>
+      <p:sp>
+        <p:nvSpPr>
+          <p:cNvPr id="4" name="TextBox 3">
+            <a:extLst>
+              <a:ext uri="{FF2B5EF4-FFF2-40B4-BE49-F238E27FC236}">
+                <a16:creationId xmlns:a16="http://schemas.microsoft.com/office/drawing/2014/main" id="{934FB3C9-4B41-1F4E-9451-95CE2DB851B1}"/>
+              </a:ext>
+            </a:extLst>
+          </p:cNvPr>
+          <p:cNvSpPr txBox="1"/>
+          <p:nvPr/>
+        </p:nvSpPr>
+        <p:spPr>
+          <a:xfrm>
+            <a:off x="8569842" y="6488668"/>
+            <a:ext cx="1744388" cy="369332"/>
+          </a:xfrm>
+          <a:prstGeom prst="rect">
+            <a:avLst/>
+          </a:prstGeom>
+          <a:noFill/>
+        </p:spPr>
+        <p:txBody>
+          <a:bodyPr wrap="none" rtlCol="0">
+            <a:spAutoFit/>
+          </a:bodyPr>
+          <a:lstStyle/>
+          <a:p>
+            <a:r>
+              <a:rPr lang="en-US" dirty="0"/>
+              <a:t>Meng et al. ‘15</a:t>
+            </a:r>
+          </a:p>
+        </p:txBody>
+      </p:sp>
+      <p:pic>
+        <p:nvPicPr>
+          <p:cNvPr id="6" name="Picture 5">
+            <a:extLst>
+              <a:ext uri="{FF2B5EF4-FFF2-40B4-BE49-F238E27FC236}">
+                <a16:creationId xmlns:a16="http://schemas.microsoft.com/office/drawing/2014/main" id="{F5657065-3595-4C4C-925B-5C731209056B}"/>
+              </a:ext>
+            </a:extLst>
+          </p:cNvPr>
+          <p:cNvPicPr>
+            <a:picLocks noChangeAspect="1"/>
+          </p:cNvPicPr>
+          <p:nvPr/>
+        </p:nvPicPr>
+        <p:blipFill>
+          <a:blip r:embed="rId3" cstate="screen">
+            <a:extLst>
+              <a:ext uri="{28A0092B-C50C-407E-A947-70E740481C1C}">
+                <a14:useLocalDpi xmlns:a14="http://schemas.microsoft.com/office/drawing/2010/main"/>
+              </a:ext>
+            </a:extLst>
+          </a:blip>
+          <a:stretch>
+            <a:fillRect/>
+          </a:stretch>
+        </p:blipFill>
+        <p:spPr>
+          <a:xfrm>
+            <a:off x="8002366" y="663797"/>
+            <a:ext cx="2879339" cy="5824870"/>
+          </a:xfrm>
+          <a:prstGeom prst="rect">
+            <a:avLst/>
+          </a:prstGeom>
+        </p:spPr>
+      </p:pic>
     </p:spTree>
     <p:extLst>
       <p:ext uri="{BB962C8B-B14F-4D97-AF65-F5344CB8AC3E}">
@@ -7910,7 +7976,7 @@
         </p:blipFill>
         <p:spPr>
           <a:xfrm>
-            <a:off x="4404243" y="4494638"/>
+            <a:off x="8076395" y="4494639"/>
             <a:ext cx="3662326" cy="1994029"/>
           </a:xfrm>
           <a:prstGeom prst="rect">
@@ -7932,7 +7998,7 @@
         </p:nvSpPr>
         <p:spPr>
           <a:xfrm>
-            <a:off x="4404243" y="6488667"/>
+            <a:off x="8076395" y="6488668"/>
             <a:ext cx="1292341" cy="369332"/>
           </a:xfrm>
           <a:prstGeom prst="rect">
@@ -7967,8 +8033,8 @@
         </p:nvSpPr>
         <p:spPr>
           <a:xfrm>
-            <a:off x="8211519" y="6488668"/>
-            <a:ext cx="1426994" cy="369332"/>
+            <a:off x="4375073" y="6488669"/>
+            <a:ext cx="2056973" cy="369332"/>
           </a:xfrm>
           <a:prstGeom prst="rect">
             <a:avLst/>
@@ -7987,7 +8053,7 @@
             </a:r>
             <a:r>
               <a:rPr lang="en-US" dirty="0"/>
-              <a:t> ‘17</a:t>
+              <a:t> et al. ‘17</a:t>
             </a:r>
           </a:p>
         </p:txBody>
@@ -8020,7 +8086,7 @@
         </p:blipFill>
         <p:spPr>
           <a:xfrm>
-            <a:off x="8251361" y="4494638"/>
+            <a:off x="4414915" y="4494639"/>
             <a:ext cx="3542118" cy="1994029"/>
           </a:xfrm>
           <a:prstGeom prst="rect">

--- a/welcome.pptx
+++ b/welcome.pptx
@@ -203,7 +203,7 @@
           <a:p>
             <a:fld id="{1BD2E7D2-48F0-5E49-B3AE-0D068E9B4A86}" type="datetimeFigureOut">
               <a:rPr lang="en-US" smtClean="0"/>
-              <a:t>9/5/19</a:t>
+              <a:t>9/5/2019</a:t>
             </a:fld>
             <a:endParaRPr lang="en-US"/>
           </a:p>
@@ -643,6 +643,80 @@
             <a:r>
               <a:rPr lang="en-US" dirty="0"/>
               <a:t>This is a graduate seminar. The specific content adapts to your interests and the success of the course depends on your active participation in presentations and discussions.</a:t>
+            </a:r>
+          </a:p>
+          <a:p>
+            <a:pPr marL="0" marR="0" lvl="0" indent="0" algn="l" defTabSz="914400" rtl="0" eaLnBrk="1" fontAlgn="auto" latinLnBrk="0" hangingPunct="1">
+              <a:lnSpc>
+                <a:spcPct val="100000"/>
+              </a:lnSpc>
+              <a:spcBef>
+                <a:spcPts val="0"/>
+              </a:spcBef>
+              <a:spcAft>
+                <a:spcPts val="0"/>
+              </a:spcAft>
+              <a:buClrTx/>
+              <a:buSzTx/>
+              <a:buFontTx/>
+              <a:buNone/>
+              <a:tabLst/>
+              <a:defRPr/>
+            </a:pPr>
+            <a:endParaRPr lang="en-US" dirty="0"/>
+          </a:p>
+          <a:p>
+            <a:pPr marL="0" marR="0" lvl="0" indent="0" algn="l" defTabSz="914400" rtl="0" eaLnBrk="1" fontAlgn="auto" latinLnBrk="0" hangingPunct="1">
+              <a:lnSpc>
+                <a:spcPct val="100000"/>
+              </a:lnSpc>
+              <a:spcBef>
+                <a:spcPts val="0"/>
+              </a:spcBef>
+              <a:spcAft>
+                <a:spcPts val="0"/>
+              </a:spcAft>
+              <a:buClrTx/>
+              <a:buSzTx/>
+              <a:buFontTx/>
+              <a:buNone/>
+              <a:tabLst/>
+              <a:defRPr/>
+            </a:pPr>
+            <a:r>
+              <a:rPr lang="en-US" dirty="0"/>
+              <a:t>As this is a graduate course, I invite you to use your phone, tablet, or laptop in class to read the papers electronically, look up terms, and take notes. I’ll be doing that myself.</a:t>
+            </a:r>
+          </a:p>
+          <a:p>
+            <a:pPr marL="0" marR="0" lvl="0" indent="0" algn="l" defTabSz="914400" rtl="0" eaLnBrk="1" fontAlgn="auto" latinLnBrk="0" hangingPunct="1">
+              <a:lnSpc>
+                <a:spcPct val="100000"/>
+              </a:lnSpc>
+              <a:spcBef>
+                <a:spcPts val="0"/>
+              </a:spcBef>
+              <a:spcAft>
+                <a:spcPts val="0"/>
+              </a:spcAft>
+              <a:buClrTx/>
+              <a:buSzTx/>
+              <a:buFontTx/>
+              <a:buNone/>
+              <a:tabLst/>
+              <a:defRPr/>
+            </a:pPr>
+            <a:r>
+              <a:rPr lang="en-US" dirty="0"/>
+              <a:t>Please use them only for that purpose—social media, texting, email</a:t>
+            </a:r>
+            <a:r>
+              <a:rPr lang="en-US"/>
+              <a:t>, and homework </a:t>
+            </a:r>
+            <a:r>
+              <a:rPr lang="en-US" dirty="0"/>
+              <a:t>for other classes can wait.</a:t>
             </a:r>
           </a:p>
           <a:p>
@@ -2017,7 +2091,7 @@
           <a:p>
             <a:fld id="{1FA64B6B-FF9F-A442-AB1D-BFE7B19D1221}" type="datetimeFigureOut">
               <a:rPr lang="en-US" smtClean="0"/>
-              <a:t>9/5/19</a:t>
+              <a:t>9/5/2019</a:t>
             </a:fld>
             <a:endParaRPr lang="en-US"/>
           </a:p>
@@ -2268,7 +2342,7 @@
           <a:p>
             <a:fld id="{1FA64B6B-FF9F-A442-AB1D-BFE7B19D1221}" type="datetimeFigureOut">
               <a:rPr lang="en-US" smtClean="0"/>
-              <a:t>9/5/19</a:t>
+              <a:t>9/5/2019</a:t>
             </a:fld>
             <a:endParaRPr lang="en-US"/>
           </a:p>
@@ -2582,7 +2656,7 @@
           <a:p>
             <a:fld id="{1FA64B6B-FF9F-A442-AB1D-BFE7B19D1221}" type="datetimeFigureOut">
               <a:rPr lang="en-US" smtClean="0"/>
-              <a:t>9/5/19</a:t>
+              <a:t>9/5/2019</a:t>
             </a:fld>
             <a:endParaRPr lang="en-US"/>
           </a:p>
@@ -2909,7 +2983,7 @@
           <a:p>
             <a:fld id="{1FA64B6B-FF9F-A442-AB1D-BFE7B19D1221}" type="datetimeFigureOut">
               <a:rPr lang="en-US" smtClean="0"/>
-              <a:t>9/5/19</a:t>
+              <a:t>9/5/2019</a:t>
             </a:fld>
             <a:endParaRPr lang="en-US"/>
           </a:p>
@@ -3223,7 +3297,7 @@
           <a:p>
             <a:fld id="{1FA64B6B-FF9F-A442-AB1D-BFE7B19D1221}" type="datetimeFigureOut">
               <a:rPr lang="en-US" smtClean="0"/>
-              <a:t>9/5/19</a:t>
+              <a:t>9/5/2019</a:t>
             </a:fld>
             <a:endParaRPr lang="en-US"/>
           </a:p>
@@ -3610,7 +3684,7 @@
           <a:p>
             <a:fld id="{1FA64B6B-FF9F-A442-AB1D-BFE7B19D1221}" type="datetimeFigureOut">
               <a:rPr lang="en-US" smtClean="0"/>
-              <a:t>9/5/19</a:t>
+              <a:t>9/5/2019</a:t>
             </a:fld>
             <a:endParaRPr lang="en-US"/>
           </a:p>
@@ -3780,7 +3854,7 @@
           <a:p>
             <a:fld id="{1FA64B6B-FF9F-A442-AB1D-BFE7B19D1221}" type="datetimeFigureOut">
               <a:rPr lang="en-US" smtClean="0"/>
-              <a:t>9/5/19</a:t>
+              <a:t>9/5/2019</a:t>
             </a:fld>
             <a:endParaRPr lang="en-US"/>
           </a:p>
@@ -3960,7 +4034,7 @@
           <a:p>
             <a:fld id="{1FA64B6B-FF9F-A442-AB1D-BFE7B19D1221}" type="datetimeFigureOut">
               <a:rPr lang="en-US" smtClean="0"/>
-              <a:t>9/5/19</a:t>
+              <a:t>9/5/2019</a:t>
             </a:fld>
             <a:endParaRPr lang="en-US"/>
           </a:p>
@@ -4158,7 +4232,7 @@
           <a:p>
             <a:fld id="{1FA64B6B-FF9F-A442-AB1D-BFE7B19D1221}" type="datetimeFigureOut">
               <a:rPr lang="en-US" smtClean="0"/>
-              <a:t>9/5/19</a:t>
+              <a:t>9/5/2019</a:t>
             </a:fld>
             <a:endParaRPr lang="en-US"/>
           </a:p>
@@ -4405,7 +4479,7 @@
           <a:p>
             <a:fld id="{1FA64B6B-FF9F-A442-AB1D-BFE7B19D1221}" type="datetimeFigureOut">
               <a:rPr lang="en-US" smtClean="0"/>
-              <a:t>9/5/19</a:t>
+              <a:t>9/5/2019</a:t>
             </a:fld>
             <a:endParaRPr lang="en-US"/>
           </a:p>
@@ -4637,7 +4711,7 @@
           <a:p>
             <a:fld id="{1FA64B6B-FF9F-A442-AB1D-BFE7B19D1221}" type="datetimeFigureOut">
               <a:rPr lang="en-US" smtClean="0"/>
-              <a:t>9/5/19</a:t>
+              <a:t>9/5/2019</a:t>
             </a:fld>
             <a:endParaRPr lang="en-US"/>
           </a:p>
@@ -5016,7 +5090,7 @@
           <a:p>
             <a:fld id="{1FA64B6B-FF9F-A442-AB1D-BFE7B19D1221}" type="datetimeFigureOut">
               <a:rPr lang="en-US" smtClean="0"/>
-              <a:t>9/5/19</a:t>
+              <a:t>9/5/2019</a:t>
             </a:fld>
             <a:endParaRPr lang="en-US"/>
           </a:p>
@@ -5144,7 +5218,7 @@
           <a:p>
             <a:fld id="{1FA64B6B-FF9F-A442-AB1D-BFE7B19D1221}" type="datetimeFigureOut">
               <a:rPr lang="en-US" smtClean="0"/>
-              <a:t>9/5/19</a:t>
+              <a:t>9/5/2019</a:t>
             </a:fld>
             <a:endParaRPr lang="en-US"/>
           </a:p>
@@ -5239,7 +5313,7 @@
           <a:p>
             <a:fld id="{1FA64B6B-FF9F-A442-AB1D-BFE7B19D1221}" type="datetimeFigureOut">
               <a:rPr lang="en-US" smtClean="0"/>
-              <a:t>9/5/19</a:t>
+              <a:t>9/5/2019</a:t>
             </a:fld>
             <a:endParaRPr lang="en-US"/>
           </a:p>
@@ -5494,7 +5568,7 @@
           <a:p>
             <a:fld id="{1FA64B6B-FF9F-A442-AB1D-BFE7B19D1221}" type="datetimeFigureOut">
               <a:rPr lang="en-US" smtClean="0"/>
-              <a:t>9/5/19</a:t>
+              <a:t>9/5/2019</a:t>
             </a:fld>
             <a:endParaRPr lang="en-US"/>
           </a:p>
@@ -5762,7 +5836,7 @@
           <a:p>
             <a:fld id="{1FA64B6B-FF9F-A442-AB1D-BFE7B19D1221}" type="datetimeFigureOut">
               <a:rPr lang="en-US" smtClean="0"/>
-              <a:t>9/5/19</a:t>
+              <a:t>9/5/2019</a:t>
             </a:fld>
             <a:endParaRPr lang="en-US"/>
           </a:p>
@@ -6439,7 +6513,7 @@
           <a:p>
             <a:fld id="{1FA64B6B-FF9F-A442-AB1D-BFE7B19D1221}" type="datetimeFigureOut">
               <a:rPr lang="en-US" smtClean="0"/>
-              <a:t>9/5/19</a:t>
+              <a:t>9/5/2019</a:t>
             </a:fld>
             <a:endParaRPr lang="en-US"/>
           </a:p>
@@ -6965,7 +7039,7 @@
       </a:lvl9pPr>
     </p:otherStyle>
   </p:txStyles>
-  <p:extLst mod="1">
+  <p:extLst>
     <p:ext uri="{27BBF7A9-308A-43DC-89C8-2F10F3537804}">
       <p15:sldGuideLst xmlns:p15="http://schemas.microsoft.com/office/powerpoint/2012/main"/>
     </p:ext>
@@ -7230,6 +7304,12 @@
             <a:r>
               <a:rPr lang="en-US" dirty="0"/>
               <a:t>Read, present, and discuss research papers</a:t>
+            </a:r>
+          </a:p>
+          <a:p>
+            <a:r>
+              <a:rPr lang="en-US" dirty="0"/>
+              <a:t>On-task electronic devices welcome</a:t>
             </a:r>
           </a:p>
           <a:p>
